--- a/knock-knock w251 final presentation.pptx
+++ b/knock-knock w251 final presentation.pptx
@@ -925,7 +925,11 @@
               </a:spcAft>
               <a:buNone/>
             </a:pPr>
-            <a:endParaRPr/>
+            <a:r>
+              <a:rPr lang="en-US" dirty="0"/>
+              <a:t>Juan</a:t>
+            </a:r>
+            <a:endParaRPr dirty="0"/>
           </a:p>
         </p:txBody>
       </p:sp>
@@ -1034,7 +1038,11 @@
               </a:spcAft>
               <a:buNone/>
             </a:pPr>
-            <a:endParaRPr/>
+            <a:r>
+              <a:rPr lang="en-US" dirty="0"/>
+              <a:t>Steven</a:t>
+            </a:r>
+            <a:endParaRPr dirty="0"/>
           </a:p>
         </p:txBody>
       </p:sp>
@@ -1465,7 +1473,11 @@
               </a:spcAft>
               <a:buNone/>
             </a:pPr>
-            <a:endParaRPr/>
+            <a:r>
+              <a:rPr lang="en-US" dirty="0"/>
+              <a:t>Steve get image</a:t>
+            </a:r>
+            <a:endParaRPr dirty="0"/>
           </a:p>
         </p:txBody>
       </p:sp>
@@ -1678,7 +1690,11 @@
               </a:spcAft>
               <a:buNone/>
             </a:pPr>
-            <a:endParaRPr/>
+            <a:r>
+              <a:rPr lang="en-US" dirty="0"/>
+              <a:t>Juan</a:t>
+            </a:r>
+            <a:endParaRPr dirty="0"/>
           </a:p>
         </p:txBody>
       </p:sp>
@@ -1782,7 +1798,11 @@
               </a:spcAft>
               <a:buNone/>
             </a:pPr>
-            <a:endParaRPr/>
+            <a:r>
+              <a:rPr lang="en-US" dirty="0" err="1"/>
+              <a:t>Javed</a:t>
+            </a:r>
+            <a:endParaRPr dirty="0"/>
           </a:p>
         </p:txBody>
       </p:sp>
@@ -1891,7 +1911,11 @@
               </a:spcAft>
               <a:buNone/>
             </a:pPr>
-            <a:endParaRPr/>
+            <a:r>
+              <a:rPr lang="en-US" dirty="0"/>
+              <a:t>Steven</a:t>
+            </a:r>
+            <a:endParaRPr dirty="0"/>
           </a:p>
         </p:txBody>
       </p:sp>
@@ -2000,6 +2024,10 @@
               </a:spcAft>
               <a:buNone/>
             </a:pPr>
+            <a:r>
+              <a:rPr lang="en-US" dirty="0" err="1"/>
+              <a:t>Javed</a:t>
+            </a:r>
             <a:endParaRPr dirty="0"/>
           </a:p>
         </p:txBody>
@@ -2109,6 +2137,10 @@
               </a:spcAft>
               <a:buNone/>
             </a:pPr>
+            <a:r>
+              <a:rPr lang="en-US" dirty="0" err="1"/>
+              <a:t>Javed</a:t>
+            </a:r>
             <a:endParaRPr dirty="0"/>
           </a:p>
         </p:txBody>
@@ -2218,7 +2250,11 @@
               </a:spcAft>
               <a:buNone/>
             </a:pPr>
-            <a:endParaRPr/>
+            <a:r>
+              <a:rPr lang="en-US" dirty="0"/>
+              <a:t>Steven</a:t>
+            </a:r>
+            <a:endParaRPr dirty="0"/>
           </a:p>
         </p:txBody>
       </p:sp>
@@ -16783,6 +16819,13 @@
               <a:t>Containers and Kubernetes (getting right environments for each component)</a:t>
             </a:r>
           </a:p>
+          <a:p>
+            <a:pPr marL="285750" indent="-285750"/>
+            <a:r>
+              <a:rPr lang="en-US" sz="1200" dirty="0"/>
+              <a:t>Events in testing</a:t>
+            </a:r>
+          </a:p>
         </p:txBody>
       </p:sp>
     </p:spTree>
@@ -26930,6 +26973,13 @@
               <a:t>cnn’s</a:t>
             </a:r>
             <a:endParaRPr lang="en-US" dirty="0"/>
+          </a:p>
+          <a:p>
+            <a:pPr marL="285750" indent="-285750"/>
+            <a:r>
+              <a:rPr lang="en-US" dirty="0"/>
+              <a:t>Why YOLO?</a:t>
+            </a:r>
           </a:p>
           <a:p>
             <a:pPr marL="285750" indent="-285750"/>
@@ -28295,6 +28345,41 @@
                 </a:solidFill>
               </a:rPr>
               <a:t>Yolo metrics on test</a:t>
+            </a:r>
+          </a:p>
+        </p:txBody>
+      </p:sp>
+      <p:sp>
+        <p:nvSpPr>
+          <p:cNvPr id="2" name="TextBox 1">
+            <a:extLst>
+              <a:ext uri="{FF2B5EF4-FFF2-40B4-BE49-F238E27FC236}">
+                <a16:creationId xmlns:a16="http://schemas.microsoft.com/office/drawing/2014/main" id="{9E174326-5CF5-DD44-BC32-8C95AA681E0A}"/>
+              </a:ext>
+            </a:extLst>
+          </p:cNvPr>
+          <p:cNvSpPr txBox="1"/>
+          <p:nvPr/>
+        </p:nvSpPr>
+        <p:spPr>
+          <a:xfrm>
+            <a:off x="1399430" y="2449002"/>
+            <a:ext cx="2831224" cy="307777"/>
+          </a:xfrm>
+          <a:prstGeom prst="rect">
+            <a:avLst/>
+          </a:prstGeom>
+          <a:noFill/>
+        </p:spPr>
+        <p:txBody>
+          <a:bodyPr wrap="none" rtlCol="0">
+            <a:spAutoFit/>
+          </a:bodyPr>
+          <a:lstStyle/>
+          <a:p>
+            <a:r>
+              <a:rPr lang="en-US" dirty="0"/>
+              <a:t>Why did it perform the way it did?</a:t>
             </a:r>
           </a:p>
         </p:txBody>
